--- a/Training/บทที่ 6 การใช้สวิตช์ (Switch).pptx
+++ b/Training/บทที่ 6 การใช้สวิตช์ (Switch).pptx
@@ -219,7 +219,7 @@
           <a:p>
             <a:fld id="{06C17036-57F0-4033-878B-2A84741E291F}" type="datetimeFigureOut">
               <a:rPr lang="en-US" smtClean="0"/>
-              <a:t>12/12/2023</a:t>
+              <a:t>12/16/2023</a:t>
             </a:fld>
             <a:endParaRPr lang="en-US"/>
           </a:p>
@@ -396,7 +396,7 @@
           <a:p>
             <a:fld id="{B7250401-2409-4A51-A751-C814B6470FB6}" type="datetimeFigureOut">
               <a:rPr lang="en-US" smtClean="0"/>
-              <a:t>12/12/2023</a:t>
+              <a:t>12/16/2023</a:t>
             </a:fld>
             <a:endParaRPr lang="en-US"/>
           </a:p>
@@ -818,7 +818,7 @@
           <a:p>
             <a:fld id="{3F6AD41E-8961-455E-BE3D-52DCFD182BCA}" type="datetime1">
               <a:rPr lang="en-US" smtClean="0"/>
-              <a:t>12/12/2023</a:t>
+              <a:t>12/16/2023</a:t>
             </a:fld>
             <a:endParaRPr lang="en-US"/>
           </a:p>
@@ -1016,7 +1016,7 @@
           <a:p>
             <a:fld id="{837AD7CF-C4A7-47BC-8CA0-A2423BD6B414}" type="datetime1">
               <a:rPr lang="en-US" smtClean="0"/>
-              <a:t>12/12/2023</a:t>
+              <a:t>12/16/2023</a:t>
             </a:fld>
             <a:endParaRPr lang="en-US"/>
           </a:p>
@@ -1224,7 +1224,7 @@
           <a:p>
             <a:fld id="{66FCB7ED-9AA1-4792-8B84-4E6B933EF180}" type="datetime1">
               <a:rPr lang="en-US" smtClean="0"/>
-              <a:t>12/12/2023</a:t>
+              <a:t>12/16/2023</a:t>
             </a:fld>
             <a:endParaRPr lang="en-US"/>
           </a:p>
@@ -1422,7 +1422,7 @@
           <a:p>
             <a:fld id="{437F2F41-2D04-40FF-B725-8597E0E2AF28}" type="datetime1">
               <a:rPr lang="en-US" smtClean="0"/>
-              <a:t>12/12/2023</a:t>
+              <a:t>12/16/2023</a:t>
             </a:fld>
             <a:endParaRPr lang="en-US"/>
           </a:p>
@@ -1697,7 +1697,7 @@
           <a:p>
             <a:fld id="{CE09906A-C844-4743-B9CD-73C2EEC07552}" type="datetime1">
               <a:rPr lang="en-US" smtClean="0"/>
-              <a:t>12/12/2023</a:t>
+              <a:t>12/16/2023</a:t>
             </a:fld>
             <a:endParaRPr lang="en-US"/>
           </a:p>
@@ -1962,7 +1962,7 @@
           <a:p>
             <a:fld id="{00CE04E3-7771-46FC-A485-5D5B60EDE7C4}" type="datetime1">
               <a:rPr lang="en-US" smtClean="0"/>
-              <a:t>12/12/2023</a:t>
+              <a:t>12/16/2023</a:t>
             </a:fld>
             <a:endParaRPr lang="en-US"/>
           </a:p>
@@ -2374,7 +2374,7 @@
           <a:p>
             <a:fld id="{AAD7B7EB-A95B-4C9B-B5CA-832534FE81AF}" type="datetime1">
               <a:rPr lang="en-US" smtClean="0"/>
-              <a:t>12/12/2023</a:t>
+              <a:t>12/16/2023</a:t>
             </a:fld>
             <a:endParaRPr lang="en-US"/>
           </a:p>
@@ -2577,7 +2577,7 @@
           <a:p>
             <a:fld id="{D2E7307F-0EB1-4E56-82DB-1BD3F33DAE22}" type="datetime1">
               <a:rPr lang="en-US" smtClean="0"/>
-              <a:t>12/12/2023</a:t>
+              <a:t>12/16/2023</a:t>
             </a:fld>
             <a:endParaRPr lang="en-US"/>
           </a:p>
@@ -2690,7 +2690,7 @@
           <a:p>
             <a:fld id="{0B135347-3E15-4228-ACD1-FA410F03C88A}" type="datetime1">
               <a:rPr lang="en-US" smtClean="0"/>
-              <a:t>12/12/2023</a:t>
+              <a:t>12/16/2023</a:t>
             </a:fld>
             <a:endParaRPr lang="en-US"/>
           </a:p>
@@ -3001,7 +3001,7 @@
           <a:p>
             <a:fld id="{8FC84112-A496-4654-828C-C3F1F14531A1}" type="datetime1">
               <a:rPr lang="en-US" smtClean="0"/>
-              <a:t>12/12/2023</a:t>
+              <a:t>12/16/2023</a:t>
             </a:fld>
             <a:endParaRPr lang="en-US"/>
           </a:p>
@@ -3289,7 +3289,7 @@
           <a:p>
             <a:fld id="{7F1F06F9-3F6B-430D-AD7B-9113A06E2545}" type="datetime1">
               <a:rPr lang="en-US" smtClean="0"/>
-              <a:t>12/12/2023</a:t>
+              <a:t>12/16/2023</a:t>
             </a:fld>
             <a:endParaRPr lang="en-US"/>
           </a:p>
@@ -4540,7 +4540,7 @@
           <a:p>
             <a:fld id="{292BCB8D-29B8-4E35-9093-2F363A120E10}" type="datetime1">
               <a:rPr lang="en-US" smtClean="0"/>
-              <a:t>12/12/2023</a:t>
+              <a:t>12/16/2023</a:t>
             </a:fld>
             <a:endParaRPr lang="en-US"/>
           </a:p>
@@ -5913,6 +5913,16 @@
           <a:lstStyle/>
           <a:p>
             <a:r>
+              <a:rPr lang="en-US" b="0" dirty="0">
+                <a:solidFill>
+                  <a:srgbClr val="DCDCAA"/>
+                </a:solidFill>
+                <a:effectLst/>
+                <a:latin typeface="Consolas" panose="020B0609020204030204" pitchFamily="49" charset="0"/>
+              </a:rPr>
+              <a:t>  </a:t>
+            </a:r>
+            <a:r>
               <a:rPr lang="en-US" b="0" dirty="0" err="1">
                 <a:solidFill>
                   <a:srgbClr val="DCDCAA"/>
@@ -6061,6 +6071,15 @@
               <a:t>   </a:t>
             </a:r>
             <a:r>
+              <a:rPr lang="en-US" dirty="0">
+                <a:solidFill>
+                  <a:srgbClr val="D4D4D4"/>
+                </a:solidFill>
+                <a:latin typeface="Consolas" panose="020B0609020204030204" pitchFamily="49" charset="0"/>
+              </a:rPr>
+              <a:t>  </a:t>
+            </a:r>
+            <a:r>
               <a:rPr lang="en-US" b="0" dirty="0">
                 <a:solidFill>
                   <a:srgbClr val="C586C0"/>
@@ -6177,7 +6196,27 @@
                 <a:effectLst/>
                 <a:latin typeface="Consolas" panose="020B0609020204030204" pitchFamily="49" charset="0"/>
               </a:rPr>
-              <a:t>      // คำสั่งที่ต้องการให้ทำเมื่อสวิตช์เปิด</a:t>
+              <a:t>    </a:t>
+            </a:r>
+            <a:r>
+              <a:rPr lang="en-US" b="0" dirty="0">
+                <a:solidFill>
+                  <a:srgbClr val="6A9955"/>
+                </a:solidFill>
+                <a:effectLst/>
+                <a:latin typeface="Consolas" panose="020B0609020204030204" pitchFamily="49" charset="0"/>
+              </a:rPr>
+              <a:t>   </a:t>
+            </a:r>
+            <a:r>
+              <a:rPr lang="th-TH" b="0" dirty="0">
+                <a:solidFill>
+                  <a:srgbClr val="6A9955"/>
+                </a:solidFill>
+                <a:effectLst/>
+                <a:latin typeface="Consolas" panose="020B0609020204030204" pitchFamily="49" charset="0"/>
+              </a:rPr>
+              <a:t>  // คำสั่งที่ต้องการให้ทำเมื่อสวิตช์เปิด</a:t>
             </a:r>
             <a:endParaRPr lang="th-TH" b="0" dirty="0">
               <a:solidFill>
@@ -6196,7 +6235,27 @@
                 <a:effectLst/>
                 <a:latin typeface="Consolas" panose="020B0609020204030204" pitchFamily="49" charset="0"/>
               </a:rPr>
-              <a:t>    } </a:t>
+              <a:t>   </a:t>
+            </a:r>
+            <a:r>
+              <a:rPr lang="en-US" b="0" dirty="0">
+                <a:solidFill>
+                  <a:srgbClr val="D4D4D4"/>
+                </a:solidFill>
+                <a:effectLst/>
+                <a:latin typeface="Consolas" panose="020B0609020204030204" pitchFamily="49" charset="0"/>
+              </a:rPr>
+              <a:t>  </a:t>
+            </a:r>
+            <a:r>
+              <a:rPr lang="th-TH" b="0" dirty="0">
+                <a:solidFill>
+                  <a:srgbClr val="D4D4D4"/>
+                </a:solidFill>
+                <a:effectLst/>
+                <a:latin typeface="Consolas" panose="020B0609020204030204" pitchFamily="49" charset="0"/>
+              </a:rPr>
+              <a:t> } </a:t>
             </a:r>
             <a:r>
               <a:rPr lang="en-US" b="0" dirty="0">
@@ -6248,7 +6307,7 @@
                 <a:effectLst/>
                 <a:latin typeface="Consolas" panose="020B0609020204030204" pitchFamily="49" charset="0"/>
               </a:rPr>
-              <a:t>// </a:t>
+              <a:t>   // </a:t>
             </a:r>
             <a:r>
               <a:rPr lang="th-TH" b="0" dirty="0">
@@ -6277,19 +6336,59 @@
                 <a:effectLst/>
                 <a:latin typeface="Consolas" panose="020B0609020204030204" pitchFamily="49" charset="0"/>
               </a:rPr>
-              <a:t>    }</a:t>
-            </a:r>
-          </a:p>
-          <a:p>
-            <a:r>
-              <a:rPr lang="th-TH" b="0" dirty="0">
+              <a:t>   </a:t>
+            </a:r>
+            <a:r>
+              <a:rPr lang="en-US" b="0" dirty="0">
                 <a:solidFill>
                   <a:srgbClr val="D4D4D4"/>
                 </a:solidFill>
                 <a:effectLst/>
                 <a:latin typeface="Consolas" panose="020B0609020204030204" pitchFamily="49" charset="0"/>
               </a:rPr>
-              <a:t>  }, </a:t>
+              <a:t>  </a:t>
+            </a:r>
+            <a:r>
+              <a:rPr lang="th-TH" b="0" dirty="0">
+                <a:solidFill>
+                  <a:srgbClr val="D4D4D4"/>
+                </a:solidFill>
+                <a:effectLst/>
+                <a:latin typeface="Consolas" panose="020B0609020204030204" pitchFamily="49" charset="0"/>
+              </a:rPr>
+              <a:t> }</a:t>
+            </a:r>
+          </a:p>
+          <a:p>
+            <a:r>
+              <a:rPr lang="th-TH" b="0" dirty="0">
+                <a:solidFill>
+                  <a:srgbClr val="D4D4D4"/>
+                </a:solidFill>
+                <a:effectLst/>
+                <a:latin typeface="Consolas" panose="020B0609020204030204" pitchFamily="49" charset="0"/>
+              </a:rPr>
+              <a:t>  </a:t>
+            </a:r>
+            <a:r>
+              <a:rPr lang="en-US" b="0" dirty="0">
+                <a:solidFill>
+                  <a:srgbClr val="D4D4D4"/>
+                </a:solidFill>
+                <a:effectLst/>
+                <a:latin typeface="Consolas" panose="020B0609020204030204" pitchFamily="49" charset="0"/>
+              </a:rPr>
+              <a:t> </a:t>
+            </a:r>
+            <a:r>
+              <a:rPr lang="th-TH" b="0" dirty="0">
+                <a:solidFill>
+                  <a:srgbClr val="D4D4D4"/>
+                </a:solidFill>
+                <a:effectLst/>
+                <a:latin typeface="Consolas" panose="020B0609020204030204" pitchFamily="49" charset="0"/>
+              </a:rPr>
+              <a:t>}, </a:t>
             </a:r>
             <a:r>
               <a:rPr lang="en-US" b="0" dirty="0">
